--- a/LAB3/Reports/EE533_LAB3.pptx
+++ b/LAB3/Reports/EE533_LAB3.pptx
@@ -6621,6 +6621,274 @@
           </a:p>
         </p:txBody>
       </p:sp>
+      <p:sp>
+        <p:nvSpPr>
+          <p:cNvPr id="7" name="Rectangle 6">
+            <a:extLst>
+              <a:ext uri="{FF2B5EF4-FFF2-40B4-BE49-F238E27FC236}">
+                <a16:creationId xmlns:a16="http://schemas.microsoft.com/office/drawing/2014/main" id="{801A4684-6314-7C4C-46E7-D76CA7A65024}"/>
+              </a:ext>
+            </a:extLst>
+          </p:cNvPr>
+          <p:cNvSpPr/>
+          <p:nvPr/>
+        </p:nvSpPr>
+        <p:spPr>
+          <a:xfrm>
+            <a:off x="621792" y="2606040"/>
+            <a:ext cx="1828800" cy="1563624"/>
+          </a:xfrm>
+          <a:prstGeom prst="rect">
+            <a:avLst/>
+          </a:prstGeom>
+          <a:noFill/>
+          <a:ln w="28575">
+            <a:solidFill>
+              <a:schemeClr val="bg1"/>
+            </a:solidFill>
+          </a:ln>
+        </p:spPr>
+        <p:style>
+          <a:lnRef idx="2">
+            <a:schemeClr val="accent2"/>
+          </a:lnRef>
+          <a:fillRef idx="1">
+            <a:schemeClr val="lt1"/>
+          </a:fillRef>
+          <a:effectRef idx="0">
+            <a:schemeClr val="accent2"/>
+          </a:effectRef>
+          <a:fontRef idx="minor">
+            <a:schemeClr val="dk1"/>
+          </a:fontRef>
+        </p:style>
+        <p:txBody>
+          <a:bodyPr rtlCol="0" anchor="ctr"/>
+          <a:lstStyle/>
+          <a:p>
+            <a:pPr algn="ctr"/>
+            <a:endParaRPr lang="en-US">
+              <a:solidFill>
+                <a:schemeClr val="bg1"/>
+              </a:solidFill>
+            </a:endParaRPr>
+          </a:p>
+        </p:txBody>
+      </p:sp>
+      <p:cxnSp>
+        <p:nvCxnSpPr>
+          <p:cNvPr id="9" name="Straight Arrow Connector 8">
+            <a:extLst>
+              <a:ext uri="{FF2B5EF4-FFF2-40B4-BE49-F238E27FC236}">
+                <a16:creationId xmlns:a16="http://schemas.microsoft.com/office/drawing/2014/main" id="{DBF35465-A8B2-5806-BD4C-EBC191A36C8C}"/>
+              </a:ext>
+            </a:extLst>
+          </p:cNvPr>
+          <p:cNvCxnSpPr/>
+          <p:nvPr/>
+        </p:nvCxnSpPr>
+        <p:spPr>
+          <a:xfrm flipH="1">
+            <a:off x="420624" y="3849624"/>
+            <a:ext cx="137160" cy="512064"/>
+          </a:xfrm>
+          <a:prstGeom prst="straightConnector1">
+            <a:avLst/>
+          </a:prstGeom>
+          <a:ln>
+            <a:solidFill>
+              <a:schemeClr val="bg1"/>
+            </a:solidFill>
+            <a:tailEnd type="triangle"/>
+          </a:ln>
+        </p:spPr>
+        <p:style>
+          <a:lnRef idx="2">
+            <a:schemeClr val="accent1"/>
+          </a:lnRef>
+          <a:fillRef idx="0">
+            <a:schemeClr val="accent1"/>
+          </a:fillRef>
+          <a:effectRef idx="1">
+            <a:schemeClr val="accent1"/>
+          </a:effectRef>
+          <a:fontRef idx="minor">
+            <a:schemeClr val="tx1"/>
+          </a:fontRef>
+        </p:style>
+      </p:cxnSp>
+      <p:sp>
+        <p:nvSpPr>
+          <p:cNvPr id="10" name="TextBox 9">
+            <a:extLst>
+              <a:ext uri="{FF2B5EF4-FFF2-40B4-BE49-F238E27FC236}">
+                <a16:creationId xmlns:a16="http://schemas.microsoft.com/office/drawing/2014/main" id="{13101255-25EE-8B8F-CDDE-DDF50DE25A3A}"/>
+              </a:ext>
+            </a:extLst>
+          </p:cNvPr>
+          <p:cNvSpPr txBox="1"/>
+          <p:nvPr/>
+        </p:nvSpPr>
+        <p:spPr>
+          <a:xfrm>
+            <a:off x="0" y="4361688"/>
+            <a:ext cx="2148840" cy="276999"/>
+          </a:xfrm>
+          <a:prstGeom prst="rect">
+            <a:avLst/>
+          </a:prstGeom>
+          <a:noFill/>
+        </p:spPr>
+        <p:txBody>
+          <a:bodyPr wrap="square" rtlCol="0">
+            <a:spAutoFit/>
+          </a:bodyPr>
+          <a:lstStyle/>
+          <a:p>
+            <a:r>
+              <a:rPr lang="en-US" sz="1200" dirty="0">
+                <a:solidFill>
+                  <a:schemeClr val="bg1"/>
+                </a:solidFill>
+              </a:rPr>
+              <a:t>WR Pointer history</a:t>
+            </a:r>
+          </a:p>
+        </p:txBody>
+      </p:sp>
+      <p:sp>
+        <p:nvSpPr>
+          <p:cNvPr id="12" name="Rectangle 11">
+            <a:extLst>
+              <a:ext uri="{FF2B5EF4-FFF2-40B4-BE49-F238E27FC236}">
+                <a16:creationId xmlns:a16="http://schemas.microsoft.com/office/drawing/2014/main" id="{7A5D2FAC-3EC3-CDFC-C540-64E955A96F51}"/>
+              </a:ext>
+            </a:extLst>
+          </p:cNvPr>
+          <p:cNvSpPr/>
+          <p:nvPr/>
+        </p:nvSpPr>
+        <p:spPr>
+          <a:xfrm>
+            <a:off x="6190488" y="2304288"/>
+            <a:ext cx="1216152" cy="1792224"/>
+          </a:xfrm>
+          <a:prstGeom prst="rect">
+            <a:avLst/>
+          </a:prstGeom>
+          <a:noFill/>
+          <a:ln w="28575"/>
+        </p:spPr>
+        <p:style>
+          <a:lnRef idx="2">
+            <a:schemeClr val="accent1">
+              <a:shade val="15000"/>
+            </a:schemeClr>
+          </a:lnRef>
+          <a:fillRef idx="1">
+            <a:schemeClr val="accent1"/>
+          </a:fillRef>
+          <a:effectRef idx="0">
+            <a:schemeClr val="accent1"/>
+          </a:effectRef>
+          <a:fontRef idx="minor">
+            <a:schemeClr val="lt1"/>
+          </a:fontRef>
+        </p:style>
+        <p:txBody>
+          <a:bodyPr rtlCol="0" anchor="ctr"/>
+          <a:lstStyle/>
+          <a:p>
+            <a:pPr algn="ctr"/>
+            <a:endParaRPr lang="en-US">
+              <a:noFill/>
+            </a:endParaRPr>
+          </a:p>
+        </p:txBody>
+      </p:sp>
+      <p:cxnSp>
+        <p:nvCxnSpPr>
+          <p:cNvPr id="14" name="Straight Arrow Connector 13">
+            <a:extLst>
+              <a:ext uri="{FF2B5EF4-FFF2-40B4-BE49-F238E27FC236}">
+                <a16:creationId xmlns:a16="http://schemas.microsoft.com/office/drawing/2014/main" id="{62BECAB6-5F3F-4A13-C919-31855BC5CC99}"/>
+              </a:ext>
+            </a:extLst>
+          </p:cNvPr>
+          <p:cNvCxnSpPr>
+            <a:cxnSpLocks/>
+          </p:cNvCxnSpPr>
+          <p:nvPr/>
+        </p:nvCxnSpPr>
+        <p:spPr>
+          <a:xfrm>
+            <a:off x="7406640" y="3913632"/>
+            <a:ext cx="969264" cy="1042416"/>
+          </a:xfrm>
+          <a:prstGeom prst="straightConnector1">
+            <a:avLst/>
+          </a:prstGeom>
+          <a:ln>
+            <a:solidFill>
+              <a:schemeClr val="bg1"/>
+            </a:solidFill>
+            <a:tailEnd type="triangle"/>
+          </a:ln>
+        </p:spPr>
+        <p:style>
+          <a:lnRef idx="2">
+            <a:schemeClr val="accent1"/>
+          </a:lnRef>
+          <a:fillRef idx="0">
+            <a:schemeClr val="accent1"/>
+          </a:fillRef>
+          <a:effectRef idx="1">
+            <a:schemeClr val="accent1"/>
+          </a:effectRef>
+          <a:fontRef idx="minor">
+            <a:schemeClr val="tx1"/>
+          </a:fontRef>
+        </p:style>
+      </p:cxnSp>
+      <p:sp>
+        <p:nvSpPr>
+          <p:cNvPr id="16" name="TextBox 15">
+            <a:extLst>
+              <a:ext uri="{FF2B5EF4-FFF2-40B4-BE49-F238E27FC236}">
+                <a16:creationId xmlns:a16="http://schemas.microsoft.com/office/drawing/2014/main" id="{7F49376D-4612-90A7-3EF2-36BE1802522C}"/>
+              </a:ext>
+            </a:extLst>
+          </p:cNvPr>
+          <p:cNvSpPr txBox="1"/>
+          <p:nvPr/>
+        </p:nvSpPr>
+        <p:spPr>
+          <a:xfrm>
+            <a:off x="7690104" y="4956048"/>
+            <a:ext cx="2093976" cy="307777"/>
+          </a:xfrm>
+          <a:prstGeom prst="rect">
+            <a:avLst/>
+          </a:prstGeom>
+          <a:noFill/>
+        </p:spPr>
+        <p:txBody>
+          <a:bodyPr wrap="square" rtlCol="0">
+            <a:spAutoFit/>
+          </a:bodyPr>
+          <a:lstStyle/>
+          <a:p>
+            <a:r>
+              <a:rPr lang="en-US" sz="1400" dirty="0">
+                <a:solidFill>
+                  <a:schemeClr val="bg1"/>
+                </a:solidFill>
+              </a:rPr>
+              <a:t>WR pointer incrementing</a:t>
+            </a:r>
+          </a:p>
+        </p:txBody>
+      </p:sp>
     </p:spTree>
     <p:extLst>
       <p:ext uri="{BB962C8B-B14F-4D97-AF65-F5344CB8AC3E}">
